--- a/examples/imgs/systemConf.pptx
+++ b/examples/imgs/systemConf.pptx
@@ -104,6 +104,11 @@
       </a:defRPr>
     </a:lvl9pPr>
   </p:defaultTextStyle>
+  <p:extLst>
+    <p:ext uri="{EFAFB233-063F-42B5-8137-9DF3F51BA10A}">
+      <p15:sldGuideLst xmlns:p15="http://schemas.microsoft.com/office/powerpoint/2012/main"/>
+    </p:ext>
+  </p:extLst>
 </p:presentation>
 </file>
 
@@ -3760,7 +3765,7 @@
         <p:spPr>
           <a:xfrm>
             <a:off x="3575974" y="3471823"/>
-            <a:ext cx="1083951" cy="369332"/>
+            <a:ext cx="1482585" cy="646331"/>
           </a:xfrm>
           <a:prstGeom prst="rect">
             <a:avLst/>
@@ -3776,6 +3781,17 @@
             <a:r>
               <a:rPr lang="en-US" altLang="ja-JP" dirty="0" err="1" smtClean="0"/>
               <a:t>WebApps</a:t>
+            </a:r>
+            <a:endParaRPr lang="en-US" altLang="ja-JP" dirty="0" smtClean="0"/>
+          </a:p>
+          <a:p>
+            <a:r>
+              <a:rPr lang="en-US" altLang="ja-JP" dirty="0" err="1"/>
+              <a:t>m</a:t>
+            </a:r>
+            <a:r>
+              <a:rPr kumimoji="1" lang="en-US" altLang="ja-JP" dirty="0" err="1" smtClean="0"/>
+              <a:t>icro:bit-side</a:t>
             </a:r>
             <a:endParaRPr kumimoji="1" lang="en-US" altLang="ja-JP" dirty="0" smtClean="0"/>
           </a:p>
@@ -3835,7 +3851,7 @@
         <p:spPr>
           <a:xfrm>
             <a:off x="9075022" y="3507641"/>
-            <a:ext cx="1083951" cy="369332"/>
+            <a:ext cx="1083951" cy="646331"/>
           </a:xfrm>
           <a:prstGeom prst="rect">
             <a:avLst/>
@@ -3851,6 +3867,13 @@
             <a:r>
               <a:rPr lang="en-US" altLang="ja-JP" dirty="0" err="1" smtClean="0"/>
               <a:t>WebApps</a:t>
+            </a:r>
+            <a:endParaRPr lang="en-US" altLang="ja-JP" dirty="0" smtClean="0"/>
+          </a:p>
+          <a:p>
+            <a:r>
+              <a:rPr kumimoji="1" lang="en-US" altLang="ja-JP" dirty="0" smtClean="0"/>
+              <a:t>PC-side</a:t>
             </a:r>
             <a:endParaRPr kumimoji="1" lang="en-US" altLang="ja-JP" dirty="0" smtClean="0"/>
           </a:p>
